--- a/ppt 16-9/1090.永生的路.pptx
+++ b/ppt 16-9/1090.永生的路.pptx
@@ -5,7 +5,7 @@
     <p:sldMasterId id="2147483648" r:id="rId1"/>
   </p:sldMasterIdLst>
   <p:sldIdLst>
-    <p:sldId id="548" r:id="rId2"/>
+    <p:sldId id="550" r:id="rId2"/>
   </p:sldIdLst>
   <p:sldSz cx="12192000" cy="6858000"/>
   <p:notesSz cx="6858000" cy="9144000"/>
@@ -129,7 +129,7 @@
           <p:cNvPr id="2" name="标题 1">
             <a:extLst>
               <a:ext uri="{FF2B5EF4-FFF2-40B4-BE49-F238E27FC236}">
-                <a16:creationId xmlns:a16="http://schemas.microsoft.com/office/drawing/2014/main" id="{FB938100-4A00-D558-3DC4-2E7805EF8165}"/>
+                <a16:creationId xmlns:a16="http://schemas.microsoft.com/office/drawing/2014/main" id="{DBE44824-161E-7171-42BB-34801C9CE965}"/>
               </a:ext>
             </a:extLst>
           </p:cNvPr>
@@ -166,7 +166,7 @@
           <p:cNvPr id="3" name="副标题 2">
             <a:extLst>
               <a:ext uri="{FF2B5EF4-FFF2-40B4-BE49-F238E27FC236}">
-                <a16:creationId xmlns:a16="http://schemas.microsoft.com/office/drawing/2014/main" id="{A3E152AA-0639-BB8A-0312-23DBF5BDD1AD}"/>
+                <a16:creationId xmlns:a16="http://schemas.microsoft.com/office/drawing/2014/main" id="{B5A81F5E-5246-CBE1-0A95-DCC32C4C342D}"/>
               </a:ext>
             </a:extLst>
           </p:cNvPr>
@@ -236,7 +236,7 @@
           <p:cNvPr id="4" name="日期占位符 3">
             <a:extLst>
               <a:ext uri="{FF2B5EF4-FFF2-40B4-BE49-F238E27FC236}">
-                <a16:creationId xmlns:a16="http://schemas.microsoft.com/office/drawing/2014/main" id="{1CDDBA9B-6F86-22A7-2C53-64F0BB97A2AF}"/>
+                <a16:creationId xmlns:a16="http://schemas.microsoft.com/office/drawing/2014/main" id="{F8F4B841-9A4A-0EC0-735A-4F0891A46423}"/>
               </a:ext>
             </a:extLst>
           </p:cNvPr>
@@ -252,7 +252,7 @@
           <a:bodyPr/>
           <a:lstStyle/>
           <a:p>
-            <a:fld id="{CD60922E-16C4-4830-B4A5-B781E48B87BE}" type="datetimeFigureOut">
+            <a:fld id="{19874DB2-4C5D-4092-86A1-9FE8893085CF}" type="datetimeFigureOut">
               <a:rPr lang="zh-CN" altLang="en-US" smtClean="0"/>
               <a:t>2024/3/10</a:t>
             </a:fld>
@@ -265,7 +265,7 @@
           <p:cNvPr id="5" name="页脚占位符 4">
             <a:extLst>
               <a:ext uri="{FF2B5EF4-FFF2-40B4-BE49-F238E27FC236}">
-                <a16:creationId xmlns:a16="http://schemas.microsoft.com/office/drawing/2014/main" id="{A99C415B-1D61-4488-E467-40A9C78BDF7B}"/>
+                <a16:creationId xmlns:a16="http://schemas.microsoft.com/office/drawing/2014/main" id="{4305BD7D-AEB7-2454-DB22-3E2E85F8B497}"/>
               </a:ext>
             </a:extLst>
           </p:cNvPr>
@@ -290,7 +290,7 @@
           <p:cNvPr id="6" name="灯片编号占位符 5">
             <a:extLst>
               <a:ext uri="{FF2B5EF4-FFF2-40B4-BE49-F238E27FC236}">
-                <a16:creationId xmlns:a16="http://schemas.microsoft.com/office/drawing/2014/main" id="{8B7A1166-5872-46CF-A730-7BF98D796EFF}"/>
+                <a16:creationId xmlns:a16="http://schemas.microsoft.com/office/drawing/2014/main" id="{5C2ABE70-BD5D-9EE7-D894-BF0C09585DF4}"/>
               </a:ext>
             </a:extLst>
           </p:cNvPr>
@@ -306,7 +306,7 @@
           <a:bodyPr/>
           <a:lstStyle/>
           <a:p>
-            <a:fld id="{E7D6FA16-CEB0-4EEB-B182-9649BB6E85F3}" type="slidenum">
+            <a:fld id="{A01C017E-AA75-439B-B5AD-18E329427E4C}" type="slidenum">
               <a:rPr lang="zh-CN" altLang="en-US" smtClean="0"/>
               <a:t>‹#›</a:t>
             </a:fld>
@@ -317,7 +317,7 @@
     </p:spTree>
     <p:extLst>
       <p:ext uri="{BB962C8B-B14F-4D97-AF65-F5344CB8AC3E}">
-        <p14:creationId xmlns:p14="http://schemas.microsoft.com/office/powerpoint/2010/main" val="3147746736"/>
+        <p14:creationId xmlns:p14="http://schemas.microsoft.com/office/powerpoint/2010/main" val="3806309324"/>
       </p:ext>
     </p:extLst>
   </p:cSld>
@@ -349,7 +349,7 @@
           <p:cNvPr id="2" name="标题 1">
             <a:extLst>
               <a:ext uri="{FF2B5EF4-FFF2-40B4-BE49-F238E27FC236}">
-                <a16:creationId xmlns:a16="http://schemas.microsoft.com/office/drawing/2014/main" id="{4D56607D-F9D8-2026-542D-128AD6A21C3F}"/>
+                <a16:creationId xmlns:a16="http://schemas.microsoft.com/office/drawing/2014/main" id="{7DC210BB-0593-EBD4-714A-1BFB35172081}"/>
               </a:ext>
             </a:extLst>
           </p:cNvPr>
@@ -377,7 +377,7 @@
           <p:cNvPr id="3" name="竖排文字占位符 2">
             <a:extLst>
               <a:ext uri="{FF2B5EF4-FFF2-40B4-BE49-F238E27FC236}">
-                <a16:creationId xmlns:a16="http://schemas.microsoft.com/office/drawing/2014/main" id="{56B9DBA9-0851-5759-18BC-A99E7EE91FF6}"/>
+                <a16:creationId xmlns:a16="http://schemas.microsoft.com/office/drawing/2014/main" id="{A644C0AA-D608-FCBF-4E05-60DA82D01EA6}"/>
               </a:ext>
             </a:extLst>
           </p:cNvPr>
@@ -434,7 +434,7 @@
           <p:cNvPr id="4" name="日期占位符 3">
             <a:extLst>
               <a:ext uri="{FF2B5EF4-FFF2-40B4-BE49-F238E27FC236}">
-                <a16:creationId xmlns:a16="http://schemas.microsoft.com/office/drawing/2014/main" id="{6D738C9D-06AF-C241-DB47-C114022C4F30}"/>
+                <a16:creationId xmlns:a16="http://schemas.microsoft.com/office/drawing/2014/main" id="{3CBF4C23-C6C3-2768-E2AB-2E680337B395}"/>
               </a:ext>
             </a:extLst>
           </p:cNvPr>
@@ -450,7 +450,7 @@
           <a:bodyPr/>
           <a:lstStyle/>
           <a:p>
-            <a:fld id="{CD60922E-16C4-4830-B4A5-B781E48B87BE}" type="datetimeFigureOut">
+            <a:fld id="{19874DB2-4C5D-4092-86A1-9FE8893085CF}" type="datetimeFigureOut">
               <a:rPr lang="zh-CN" altLang="en-US" smtClean="0"/>
               <a:t>2024/3/10</a:t>
             </a:fld>
@@ -463,7 +463,7 @@
           <p:cNvPr id="5" name="页脚占位符 4">
             <a:extLst>
               <a:ext uri="{FF2B5EF4-FFF2-40B4-BE49-F238E27FC236}">
-                <a16:creationId xmlns:a16="http://schemas.microsoft.com/office/drawing/2014/main" id="{9EEADB56-1A39-CF45-9E9B-A65C54AFF257}"/>
+                <a16:creationId xmlns:a16="http://schemas.microsoft.com/office/drawing/2014/main" id="{AE08629E-B191-89B5-4AC9-BEF23C9EE303}"/>
               </a:ext>
             </a:extLst>
           </p:cNvPr>
@@ -488,7 +488,7 @@
           <p:cNvPr id="6" name="灯片编号占位符 5">
             <a:extLst>
               <a:ext uri="{FF2B5EF4-FFF2-40B4-BE49-F238E27FC236}">
-                <a16:creationId xmlns:a16="http://schemas.microsoft.com/office/drawing/2014/main" id="{1C5CF3A3-FBFE-58FB-3C11-92178DF94065}"/>
+                <a16:creationId xmlns:a16="http://schemas.microsoft.com/office/drawing/2014/main" id="{E85A481A-27E7-ED2B-B6BD-4E2ABBE79EFF}"/>
               </a:ext>
             </a:extLst>
           </p:cNvPr>
@@ -504,7 +504,7 @@
           <a:bodyPr/>
           <a:lstStyle/>
           <a:p>
-            <a:fld id="{E7D6FA16-CEB0-4EEB-B182-9649BB6E85F3}" type="slidenum">
+            <a:fld id="{A01C017E-AA75-439B-B5AD-18E329427E4C}" type="slidenum">
               <a:rPr lang="zh-CN" altLang="en-US" smtClean="0"/>
               <a:t>‹#›</a:t>
             </a:fld>
@@ -515,7 +515,7 @@
     </p:spTree>
     <p:extLst>
       <p:ext uri="{BB962C8B-B14F-4D97-AF65-F5344CB8AC3E}">
-        <p14:creationId xmlns:p14="http://schemas.microsoft.com/office/powerpoint/2010/main" val="4184280116"/>
+        <p14:creationId xmlns:p14="http://schemas.microsoft.com/office/powerpoint/2010/main" val="4195256576"/>
       </p:ext>
     </p:extLst>
   </p:cSld>
@@ -547,7 +547,7 @@
           <p:cNvPr id="2" name="竖排标题 1">
             <a:extLst>
               <a:ext uri="{FF2B5EF4-FFF2-40B4-BE49-F238E27FC236}">
-                <a16:creationId xmlns:a16="http://schemas.microsoft.com/office/drawing/2014/main" id="{7FCF6FA6-1FB9-4A22-3858-DC2A36322582}"/>
+                <a16:creationId xmlns:a16="http://schemas.microsoft.com/office/drawing/2014/main" id="{EAB36724-7147-5539-23CE-58BA752482D5}"/>
               </a:ext>
             </a:extLst>
           </p:cNvPr>
@@ -580,7 +580,7 @@
           <p:cNvPr id="3" name="竖排文字占位符 2">
             <a:extLst>
               <a:ext uri="{FF2B5EF4-FFF2-40B4-BE49-F238E27FC236}">
-                <a16:creationId xmlns:a16="http://schemas.microsoft.com/office/drawing/2014/main" id="{EC59EB8C-3233-68BB-B021-E82E74FBFD4E}"/>
+                <a16:creationId xmlns:a16="http://schemas.microsoft.com/office/drawing/2014/main" id="{1A1C01E8-06D5-7CBC-D101-7D28D1DBB8EF}"/>
               </a:ext>
             </a:extLst>
           </p:cNvPr>
@@ -642,7 +642,7 @@
           <p:cNvPr id="4" name="日期占位符 3">
             <a:extLst>
               <a:ext uri="{FF2B5EF4-FFF2-40B4-BE49-F238E27FC236}">
-                <a16:creationId xmlns:a16="http://schemas.microsoft.com/office/drawing/2014/main" id="{2F3265DC-A3DC-B584-76CE-914A9C35BD77}"/>
+                <a16:creationId xmlns:a16="http://schemas.microsoft.com/office/drawing/2014/main" id="{D2B9A452-6902-DD0C-39BD-6DAB675CEE36}"/>
               </a:ext>
             </a:extLst>
           </p:cNvPr>
@@ -658,7 +658,7 @@
           <a:bodyPr/>
           <a:lstStyle/>
           <a:p>
-            <a:fld id="{CD60922E-16C4-4830-B4A5-B781E48B87BE}" type="datetimeFigureOut">
+            <a:fld id="{19874DB2-4C5D-4092-86A1-9FE8893085CF}" type="datetimeFigureOut">
               <a:rPr lang="zh-CN" altLang="en-US" smtClean="0"/>
               <a:t>2024/3/10</a:t>
             </a:fld>
@@ -671,7 +671,7 @@
           <p:cNvPr id="5" name="页脚占位符 4">
             <a:extLst>
               <a:ext uri="{FF2B5EF4-FFF2-40B4-BE49-F238E27FC236}">
-                <a16:creationId xmlns:a16="http://schemas.microsoft.com/office/drawing/2014/main" id="{E90972D1-547E-6BE3-C18D-D70A1466F789}"/>
+                <a16:creationId xmlns:a16="http://schemas.microsoft.com/office/drawing/2014/main" id="{4195B1AF-373B-371C-56D1-2FFBECC84E83}"/>
               </a:ext>
             </a:extLst>
           </p:cNvPr>
@@ -696,7 +696,7 @@
           <p:cNvPr id="6" name="灯片编号占位符 5">
             <a:extLst>
               <a:ext uri="{FF2B5EF4-FFF2-40B4-BE49-F238E27FC236}">
-                <a16:creationId xmlns:a16="http://schemas.microsoft.com/office/drawing/2014/main" id="{C85D1188-D708-00F0-DF36-6D0A4BEC714A}"/>
+                <a16:creationId xmlns:a16="http://schemas.microsoft.com/office/drawing/2014/main" id="{39ABCBE3-4942-BAEF-0E44-D6E1DB45A15F}"/>
               </a:ext>
             </a:extLst>
           </p:cNvPr>
@@ -712,7 +712,7 @@
           <a:bodyPr/>
           <a:lstStyle/>
           <a:p>
-            <a:fld id="{E7D6FA16-CEB0-4EEB-B182-9649BB6E85F3}" type="slidenum">
+            <a:fld id="{A01C017E-AA75-439B-B5AD-18E329427E4C}" type="slidenum">
               <a:rPr lang="zh-CN" altLang="en-US" smtClean="0"/>
               <a:t>‹#›</a:t>
             </a:fld>
@@ -723,7 +723,7 @@
     </p:spTree>
     <p:extLst>
       <p:ext uri="{BB962C8B-B14F-4D97-AF65-F5344CB8AC3E}">
-        <p14:creationId xmlns:p14="http://schemas.microsoft.com/office/powerpoint/2010/main" val="2703715564"/>
+        <p14:creationId xmlns:p14="http://schemas.microsoft.com/office/powerpoint/2010/main" val="841907566"/>
       </p:ext>
     </p:extLst>
   </p:cSld>
@@ -755,7 +755,7 @@
           <p:cNvPr id="2" name="标题 1">
             <a:extLst>
               <a:ext uri="{FF2B5EF4-FFF2-40B4-BE49-F238E27FC236}">
-                <a16:creationId xmlns:a16="http://schemas.microsoft.com/office/drawing/2014/main" id="{3E819C5E-0D21-4957-AE2A-B277D742CBD9}"/>
+                <a16:creationId xmlns:a16="http://schemas.microsoft.com/office/drawing/2014/main" id="{72DFC505-45E5-6B74-5A96-E612FC909368}"/>
               </a:ext>
             </a:extLst>
           </p:cNvPr>
@@ -783,7 +783,7 @@
           <p:cNvPr id="3" name="内容占位符 2">
             <a:extLst>
               <a:ext uri="{FF2B5EF4-FFF2-40B4-BE49-F238E27FC236}">
-                <a16:creationId xmlns:a16="http://schemas.microsoft.com/office/drawing/2014/main" id="{CCAB32DA-02FD-5CF9-257C-D32B231677F6}"/>
+                <a16:creationId xmlns:a16="http://schemas.microsoft.com/office/drawing/2014/main" id="{CD1CD81A-CB1E-9B14-549F-5BCDE68B0438}"/>
               </a:ext>
             </a:extLst>
           </p:cNvPr>
@@ -840,7 +840,7 @@
           <p:cNvPr id="4" name="日期占位符 3">
             <a:extLst>
               <a:ext uri="{FF2B5EF4-FFF2-40B4-BE49-F238E27FC236}">
-                <a16:creationId xmlns:a16="http://schemas.microsoft.com/office/drawing/2014/main" id="{456B2E70-3904-90A3-322A-ACC5529426E2}"/>
+                <a16:creationId xmlns:a16="http://schemas.microsoft.com/office/drawing/2014/main" id="{A8D02100-6416-D28A-CBEA-381298C5A0E0}"/>
               </a:ext>
             </a:extLst>
           </p:cNvPr>
@@ -856,7 +856,7 @@
           <a:bodyPr/>
           <a:lstStyle/>
           <a:p>
-            <a:fld id="{CD60922E-16C4-4830-B4A5-B781E48B87BE}" type="datetimeFigureOut">
+            <a:fld id="{19874DB2-4C5D-4092-86A1-9FE8893085CF}" type="datetimeFigureOut">
               <a:rPr lang="zh-CN" altLang="en-US" smtClean="0"/>
               <a:t>2024/3/10</a:t>
             </a:fld>
@@ -869,7 +869,7 @@
           <p:cNvPr id="5" name="页脚占位符 4">
             <a:extLst>
               <a:ext uri="{FF2B5EF4-FFF2-40B4-BE49-F238E27FC236}">
-                <a16:creationId xmlns:a16="http://schemas.microsoft.com/office/drawing/2014/main" id="{A4DE3A46-8744-BB57-8FD2-5B57C8FED9C5}"/>
+                <a16:creationId xmlns:a16="http://schemas.microsoft.com/office/drawing/2014/main" id="{EE87DD21-FD03-7233-90A4-014A35BAE0FA}"/>
               </a:ext>
             </a:extLst>
           </p:cNvPr>
@@ -894,7 +894,7 @@
           <p:cNvPr id="6" name="灯片编号占位符 5">
             <a:extLst>
               <a:ext uri="{FF2B5EF4-FFF2-40B4-BE49-F238E27FC236}">
-                <a16:creationId xmlns:a16="http://schemas.microsoft.com/office/drawing/2014/main" id="{C3844BF1-93B5-00B0-0C6F-EC6D8E2BFF8D}"/>
+                <a16:creationId xmlns:a16="http://schemas.microsoft.com/office/drawing/2014/main" id="{A78EE6D3-2EB1-8E17-B72D-59F2AB2AC343}"/>
               </a:ext>
             </a:extLst>
           </p:cNvPr>
@@ -910,7 +910,7 @@
           <a:bodyPr/>
           <a:lstStyle/>
           <a:p>
-            <a:fld id="{E7D6FA16-CEB0-4EEB-B182-9649BB6E85F3}" type="slidenum">
+            <a:fld id="{A01C017E-AA75-439B-B5AD-18E329427E4C}" type="slidenum">
               <a:rPr lang="zh-CN" altLang="en-US" smtClean="0"/>
               <a:t>‹#›</a:t>
             </a:fld>
@@ -921,7 +921,7 @@
     </p:spTree>
     <p:extLst>
       <p:ext uri="{BB962C8B-B14F-4D97-AF65-F5344CB8AC3E}">
-        <p14:creationId xmlns:p14="http://schemas.microsoft.com/office/powerpoint/2010/main" val="2906141698"/>
+        <p14:creationId xmlns:p14="http://schemas.microsoft.com/office/powerpoint/2010/main" val="4261341886"/>
       </p:ext>
     </p:extLst>
   </p:cSld>
@@ -953,7 +953,7 @@
           <p:cNvPr id="2" name="标题 1">
             <a:extLst>
               <a:ext uri="{FF2B5EF4-FFF2-40B4-BE49-F238E27FC236}">
-                <a16:creationId xmlns:a16="http://schemas.microsoft.com/office/drawing/2014/main" id="{C4083920-1BE4-3C2F-18F2-0CFDA84D2DA4}"/>
+                <a16:creationId xmlns:a16="http://schemas.microsoft.com/office/drawing/2014/main" id="{4CCB2E42-967F-07E9-6E1B-BF92E425ABD2}"/>
               </a:ext>
             </a:extLst>
           </p:cNvPr>
@@ -990,7 +990,7 @@
           <p:cNvPr id="3" name="文本占位符 2">
             <a:extLst>
               <a:ext uri="{FF2B5EF4-FFF2-40B4-BE49-F238E27FC236}">
-                <a16:creationId xmlns:a16="http://schemas.microsoft.com/office/drawing/2014/main" id="{E05FF901-8255-C8E0-5253-9D621354CDC7}"/>
+                <a16:creationId xmlns:a16="http://schemas.microsoft.com/office/drawing/2014/main" id="{846B162A-4689-51BA-0D18-B07A24E6595C}"/>
               </a:ext>
             </a:extLst>
           </p:cNvPr>
@@ -1115,7 +1115,7 @@
           <p:cNvPr id="4" name="日期占位符 3">
             <a:extLst>
               <a:ext uri="{FF2B5EF4-FFF2-40B4-BE49-F238E27FC236}">
-                <a16:creationId xmlns:a16="http://schemas.microsoft.com/office/drawing/2014/main" id="{A2B05E4E-A671-A2C7-38F4-4B9C93767F43}"/>
+                <a16:creationId xmlns:a16="http://schemas.microsoft.com/office/drawing/2014/main" id="{BF7B98BE-4E1E-1C5A-35BA-8498870A6D6D}"/>
               </a:ext>
             </a:extLst>
           </p:cNvPr>
@@ -1131,7 +1131,7 @@
           <a:bodyPr/>
           <a:lstStyle/>
           <a:p>
-            <a:fld id="{CD60922E-16C4-4830-B4A5-B781E48B87BE}" type="datetimeFigureOut">
+            <a:fld id="{19874DB2-4C5D-4092-86A1-9FE8893085CF}" type="datetimeFigureOut">
               <a:rPr lang="zh-CN" altLang="en-US" smtClean="0"/>
               <a:t>2024/3/10</a:t>
             </a:fld>
@@ -1144,7 +1144,7 @@
           <p:cNvPr id="5" name="页脚占位符 4">
             <a:extLst>
               <a:ext uri="{FF2B5EF4-FFF2-40B4-BE49-F238E27FC236}">
-                <a16:creationId xmlns:a16="http://schemas.microsoft.com/office/drawing/2014/main" id="{0422D456-6560-3385-3A1C-AEB0DA672BED}"/>
+                <a16:creationId xmlns:a16="http://schemas.microsoft.com/office/drawing/2014/main" id="{6338C718-C36F-F8FE-87F6-BB325F1D744C}"/>
               </a:ext>
             </a:extLst>
           </p:cNvPr>
@@ -1169,7 +1169,7 @@
           <p:cNvPr id="6" name="灯片编号占位符 5">
             <a:extLst>
               <a:ext uri="{FF2B5EF4-FFF2-40B4-BE49-F238E27FC236}">
-                <a16:creationId xmlns:a16="http://schemas.microsoft.com/office/drawing/2014/main" id="{F617BDCB-78FC-903E-243B-D41EE7C3980E}"/>
+                <a16:creationId xmlns:a16="http://schemas.microsoft.com/office/drawing/2014/main" id="{1AC71F4D-8F46-1AEF-D82F-835D44755099}"/>
               </a:ext>
             </a:extLst>
           </p:cNvPr>
@@ -1185,7 +1185,7 @@
           <a:bodyPr/>
           <a:lstStyle/>
           <a:p>
-            <a:fld id="{E7D6FA16-CEB0-4EEB-B182-9649BB6E85F3}" type="slidenum">
+            <a:fld id="{A01C017E-AA75-439B-B5AD-18E329427E4C}" type="slidenum">
               <a:rPr lang="zh-CN" altLang="en-US" smtClean="0"/>
               <a:t>‹#›</a:t>
             </a:fld>
@@ -1196,7 +1196,7 @@
     </p:spTree>
     <p:extLst>
       <p:ext uri="{BB962C8B-B14F-4D97-AF65-F5344CB8AC3E}">
-        <p14:creationId xmlns:p14="http://schemas.microsoft.com/office/powerpoint/2010/main" val="3181697100"/>
+        <p14:creationId xmlns:p14="http://schemas.microsoft.com/office/powerpoint/2010/main" val="2389054561"/>
       </p:ext>
     </p:extLst>
   </p:cSld>
@@ -1228,7 +1228,7 @@
           <p:cNvPr id="2" name="标题 1">
             <a:extLst>
               <a:ext uri="{FF2B5EF4-FFF2-40B4-BE49-F238E27FC236}">
-                <a16:creationId xmlns:a16="http://schemas.microsoft.com/office/drawing/2014/main" id="{6B436E84-F2D0-F83E-5EE7-6690114093C2}"/>
+                <a16:creationId xmlns:a16="http://schemas.microsoft.com/office/drawing/2014/main" id="{F4032278-F4F3-632C-0CD9-9DC83CA9285E}"/>
               </a:ext>
             </a:extLst>
           </p:cNvPr>
@@ -1256,7 +1256,7 @@
           <p:cNvPr id="3" name="内容占位符 2">
             <a:extLst>
               <a:ext uri="{FF2B5EF4-FFF2-40B4-BE49-F238E27FC236}">
-                <a16:creationId xmlns:a16="http://schemas.microsoft.com/office/drawing/2014/main" id="{9377EB76-518D-514F-9F84-E0519389440F}"/>
+                <a16:creationId xmlns:a16="http://schemas.microsoft.com/office/drawing/2014/main" id="{B7107CCA-58C2-8B62-3301-19418D772514}"/>
               </a:ext>
             </a:extLst>
           </p:cNvPr>
@@ -1318,7 +1318,7 @@
           <p:cNvPr id="4" name="内容占位符 3">
             <a:extLst>
               <a:ext uri="{FF2B5EF4-FFF2-40B4-BE49-F238E27FC236}">
-                <a16:creationId xmlns:a16="http://schemas.microsoft.com/office/drawing/2014/main" id="{04032B9F-25C8-4FCA-A147-B2D8171BD59B}"/>
+                <a16:creationId xmlns:a16="http://schemas.microsoft.com/office/drawing/2014/main" id="{586034C8-94A7-799F-0327-7990AEDC650C}"/>
               </a:ext>
             </a:extLst>
           </p:cNvPr>
@@ -1380,7 +1380,7 @@
           <p:cNvPr id="5" name="日期占位符 4">
             <a:extLst>
               <a:ext uri="{FF2B5EF4-FFF2-40B4-BE49-F238E27FC236}">
-                <a16:creationId xmlns:a16="http://schemas.microsoft.com/office/drawing/2014/main" id="{7ED86837-4A8F-2046-50C6-A760F0BBDB17}"/>
+                <a16:creationId xmlns:a16="http://schemas.microsoft.com/office/drawing/2014/main" id="{44E3F050-4761-2361-A256-DCA71E36EAB4}"/>
               </a:ext>
             </a:extLst>
           </p:cNvPr>
@@ -1396,7 +1396,7 @@
           <a:bodyPr/>
           <a:lstStyle/>
           <a:p>
-            <a:fld id="{CD60922E-16C4-4830-B4A5-B781E48B87BE}" type="datetimeFigureOut">
+            <a:fld id="{19874DB2-4C5D-4092-86A1-9FE8893085CF}" type="datetimeFigureOut">
               <a:rPr lang="zh-CN" altLang="en-US" smtClean="0"/>
               <a:t>2024/3/10</a:t>
             </a:fld>
@@ -1409,7 +1409,7 @@
           <p:cNvPr id="6" name="页脚占位符 5">
             <a:extLst>
               <a:ext uri="{FF2B5EF4-FFF2-40B4-BE49-F238E27FC236}">
-                <a16:creationId xmlns:a16="http://schemas.microsoft.com/office/drawing/2014/main" id="{F5B09A07-E4FC-B27E-F54E-797CA7E24FE2}"/>
+                <a16:creationId xmlns:a16="http://schemas.microsoft.com/office/drawing/2014/main" id="{9C855F5D-C76E-E566-8478-4D26B6AE2EA5}"/>
               </a:ext>
             </a:extLst>
           </p:cNvPr>
@@ -1434,7 +1434,7 @@
           <p:cNvPr id="7" name="灯片编号占位符 6">
             <a:extLst>
               <a:ext uri="{FF2B5EF4-FFF2-40B4-BE49-F238E27FC236}">
-                <a16:creationId xmlns:a16="http://schemas.microsoft.com/office/drawing/2014/main" id="{9FACE78F-7933-CFCC-D826-ACCB27BA2F79}"/>
+                <a16:creationId xmlns:a16="http://schemas.microsoft.com/office/drawing/2014/main" id="{730C3123-3E27-6261-0637-C88D5D05523C}"/>
               </a:ext>
             </a:extLst>
           </p:cNvPr>
@@ -1450,7 +1450,7 @@
           <a:bodyPr/>
           <a:lstStyle/>
           <a:p>
-            <a:fld id="{E7D6FA16-CEB0-4EEB-B182-9649BB6E85F3}" type="slidenum">
+            <a:fld id="{A01C017E-AA75-439B-B5AD-18E329427E4C}" type="slidenum">
               <a:rPr lang="zh-CN" altLang="en-US" smtClean="0"/>
               <a:t>‹#›</a:t>
             </a:fld>
@@ -1461,7 +1461,7 @@
     </p:spTree>
     <p:extLst>
       <p:ext uri="{BB962C8B-B14F-4D97-AF65-F5344CB8AC3E}">
-        <p14:creationId xmlns:p14="http://schemas.microsoft.com/office/powerpoint/2010/main" val="2964950285"/>
+        <p14:creationId xmlns:p14="http://schemas.microsoft.com/office/powerpoint/2010/main" val="2023881624"/>
       </p:ext>
     </p:extLst>
   </p:cSld>
@@ -1493,7 +1493,7 @@
           <p:cNvPr id="2" name="标题 1">
             <a:extLst>
               <a:ext uri="{FF2B5EF4-FFF2-40B4-BE49-F238E27FC236}">
-                <a16:creationId xmlns:a16="http://schemas.microsoft.com/office/drawing/2014/main" id="{8A76016A-7BA7-D000-CB8E-17463F6F4E92}"/>
+                <a16:creationId xmlns:a16="http://schemas.microsoft.com/office/drawing/2014/main" id="{9815A2AE-3877-32BA-757F-BB25B8519E85}"/>
               </a:ext>
             </a:extLst>
           </p:cNvPr>
@@ -1526,7 +1526,7 @@
           <p:cNvPr id="3" name="文本占位符 2">
             <a:extLst>
               <a:ext uri="{FF2B5EF4-FFF2-40B4-BE49-F238E27FC236}">
-                <a16:creationId xmlns:a16="http://schemas.microsoft.com/office/drawing/2014/main" id="{62361CBD-912A-2D95-68CF-2FD18C6C6ED0}"/>
+                <a16:creationId xmlns:a16="http://schemas.microsoft.com/office/drawing/2014/main" id="{738105A8-2F81-0C92-7791-0317EECCD3B7}"/>
               </a:ext>
             </a:extLst>
           </p:cNvPr>
@@ -1597,7 +1597,7 @@
           <p:cNvPr id="4" name="内容占位符 3">
             <a:extLst>
               <a:ext uri="{FF2B5EF4-FFF2-40B4-BE49-F238E27FC236}">
-                <a16:creationId xmlns:a16="http://schemas.microsoft.com/office/drawing/2014/main" id="{8BA3D0D7-6C67-F7EA-89A3-92B5340025A1}"/>
+                <a16:creationId xmlns:a16="http://schemas.microsoft.com/office/drawing/2014/main" id="{A14A719B-4E8F-A646-B788-29E6A7404107}"/>
               </a:ext>
             </a:extLst>
           </p:cNvPr>
@@ -1659,7 +1659,7 @@
           <p:cNvPr id="5" name="文本占位符 4">
             <a:extLst>
               <a:ext uri="{FF2B5EF4-FFF2-40B4-BE49-F238E27FC236}">
-                <a16:creationId xmlns:a16="http://schemas.microsoft.com/office/drawing/2014/main" id="{5F0D01A8-66BF-DCF8-1896-131E58F1B734}"/>
+                <a16:creationId xmlns:a16="http://schemas.microsoft.com/office/drawing/2014/main" id="{C75FBEC1-2DB3-25FC-2904-50B5563545F3}"/>
               </a:ext>
             </a:extLst>
           </p:cNvPr>
@@ -1730,7 +1730,7 @@
           <p:cNvPr id="6" name="内容占位符 5">
             <a:extLst>
               <a:ext uri="{FF2B5EF4-FFF2-40B4-BE49-F238E27FC236}">
-                <a16:creationId xmlns:a16="http://schemas.microsoft.com/office/drawing/2014/main" id="{16D075D4-4583-64CA-1B4E-1678D393AD58}"/>
+                <a16:creationId xmlns:a16="http://schemas.microsoft.com/office/drawing/2014/main" id="{9CBF81E1-6B11-EAA0-D150-F1D514202622}"/>
               </a:ext>
             </a:extLst>
           </p:cNvPr>
@@ -1792,7 +1792,7 @@
           <p:cNvPr id="7" name="日期占位符 6">
             <a:extLst>
               <a:ext uri="{FF2B5EF4-FFF2-40B4-BE49-F238E27FC236}">
-                <a16:creationId xmlns:a16="http://schemas.microsoft.com/office/drawing/2014/main" id="{6F946EFC-CE79-9ABA-6020-82DDF8AA45BC}"/>
+                <a16:creationId xmlns:a16="http://schemas.microsoft.com/office/drawing/2014/main" id="{5CC2AB10-7CDE-7B67-76AA-282E9948B381}"/>
               </a:ext>
             </a:extLst>
           </p:cNvPr>
@@ -1808,7 +1808,7 @@
           <a:bodyPr/>
           <a:lstStyle/>
           <a:p>
-            <a:fld id="{CD60922E-16C4-4830-B4A5-B781E48B87BE}" type="datetimeFigureOut">
+            <a:fld id="{19874DB2-4C5D-4092-86A1-9FE8893085CF}" type="datetimeFigureOut">
               <a:rPr lang="zh-CN" altLang="en-US" smtClean="0"/>
               <a:t>2024/3/10</a:t>
             </a:fld>
@@ -1821,7 +1821,7 @@
           <p:cNvPr id="8" name="页脚占位符 7">
             <a:extLst>
               <a:ext uri="{FF2B5EF4-FFF2-40B4-BE49-F238E27FC236}">
-                <a16:creationId xmlns:a16="http://schemas.microsoft.com/office/drawing/2014/main" id="{0677D9AC-AEA6-A723-0B5D-85ECCDE833BB}"/>
+                <a16:creationId xmlns:a16="http://schemas.microsoft.com/office/drawing/2014/main" id="{F4CE2167-BD94-E099-F035-556C9D1E57FA}"/>
               </a:ext>
             </a:extLst>
           </p:cNvPr>
@@ -1846,7 +1846,7 @@
           <p:cNvPr id="9" name="灯片编号占位符 8">
             <a:extLst>
               <a:ext uri="{FF2B5EF4-FFF2-40B4-BE49-F238E27FC236}">
-                <a16:creationId xmlns:a16="http://schemas.microsoft.com/office/drawing/2014/main" id="{54442F7F-953D-B811-EE82-239E83939BB3}"/>
+                <a16:creationId xmlns:a16="http://schemas.microsoft.com/office/drawing/2014/main" id="{384E0823-BEDB-F06A-C435-80FF3C7C91C6}"/>
               </a:ext>
             </a:extLst>
           </p:cNvPr>
@@ -1862,7 +1862,7 @@
           <a:bodyPr/>
           <a:lstStyle/>
           <a:p>
-            <a:fld id="{E7D6FA16-CEB0-4EEB-B182-9649BB6E85F3}" type="slidenum">
+            <a:fld id="{A01C017E-AA75-439B-B5AD-18E329427E4C}" type="slidenum">
               <a:rPr lang="zh-CN" altLang="en-US" smtClean="0"/>
               <a:t>‹#›</a:t>
             </a:fld>
@@ -1873,7 +1873,7 @@
     </p:spTree>
     <p:extLst>
       <p:ext uri="{BB962C8B-B14F-4D97-AF65-F5344CB8AC3E}">
-        <p14:creationId xmlns:p14="http://schemas.microsoft.com/office/powerpoint/2010/main" val="2022777930"/>
+        <p14:creationId xmlns:p14="http://schemas.microsoft.com/office/powerpoint/2010/main" val="2527187311"/>
       </p:ext>
     </p:extLst>
   </p:cSld>
@@ -1905,7 +1905,7 @@
           <p:cNvPr id="2" name="标题 1">
             <a:extLst>
               <a:ext uri="{FF2B5EF4-FFF2-40B4-BE49-F238E27FC236}">
-                <a16:creationId xmlns:a16="http://schemas.microsoft.com/office/drawing/2014/main" id="{A28B41EE-C7D4-C325-7D04-5B0C77F20FA7}"/>
+                <a16:creationId xmlns:a16="http://schemas.microsoft.com/office/drawing/2014/main" id="{21445641-66D1-76A1-974E-13175004CE82}"/>
               </a:ext>
             </a:extLst>
           </p:cNvPr>
@@ -1933,7 +1933,7 @@
           <p:cNvPr id="3" name="日期占位符 2">
             <a:extLst>
               <a:ext uri="{FF2B5EF4-FFF2-40B4-BE49-F238E27FC236}">
-                <a16:creationId xmlns:a16="http://schemas.microsoft.com/office/drawing/2014/main" id="{9C693992-6192-E0C5-1264-99B7227D60CE}"/>
+                <a16:creationId xmlns:a16="http://schemas.microsoft.com/office/drawing/2014/main" id="{832A3F9B-98D8-7B79-7210-A458400E9695}"/>
               </a:ext>
             </a:extLst>
           </p:cNvPr>
@@ -1949,7 +1949,7 @@
           <a:bodyPr/>
           <a:lstStyle/>
           <a:p>
-            <a:fld id="{CD60922E-16C4-4830-B4A5-B781E48B87BE}" type="datetimeFigureOut">
+            <a:fld id="{19874DB2-4C5D-4092-86A1-9FE8893085CF}" type="datetimeFigureOut">
               <a:rPr lang="zh-CN" altLang="en-US" smtClean="0"/>
               <a:t>2024/3/10</a:t>
             </a:fld>
@@ -1962,7 +1962,7 @@
           <p:cNvPr id="4" name="页脚占位符 3">
             <a:extLst>
               <a:ext uri="{FF2B5EF4-FFF2-40B4-BE49-F238E27FC236}">
-                <a16:creationId xmlns:a16="http://schemas.microsoft.com/office/drawing/2014/main" id="{C6FF8751-6354-A045-87B9-88DD771929CA}"/>
+                <a16:creationId xmlns:a16="http://schemas.microsoft.com/office/drawing/2014/main" id="{47373432-5A86-AAD1-364C-7CB5F1F84735}"/>
               </a:ext>
             </a:extLst>
           </p:cNvPr>
@@ -1987,7 +1987,7 @@
           <p:cNvPr id="5" name="灯片编号占位符 4">
             <a:extLst>
               <a:ext uri="{FF2B5EF4-FFF2-40B4-BE49-F238E27FC236}">
-                <a16:creationId xmlns:a16="http://schemas.microsoft.com/office/drawing/2014/main" id="{B14B5918-8A78-0DF1-C4F2-6AC3E704EA94}"/>
+                <a16:creationId xmlns:a16="http://schemas.microsoft.com/office/drawing/2014/main" id="{4EB55D58-ACC9-4198-E88C-37C9AAF1A4CA}"/>
               </a:ext>
             </a:extLst>
           </p:cNvPr>
@@ -2003,7 +2003,7 @@
           <a:bodyPr/>
           <a:lstStyle/>
           <a:p>
-            <a:fld id="{E7D6FA16-CEB0-4EEB-B182-9649BB6E85F3}" type="slidenum">
+            <a:fld id="{A01C017E-AA75-439B-B5AD-18E329427E4C}" type="slidenum">
               <a:rPr lang="zh-CN" altLang="en-US" smtClean="0"/>
               <a:t>‹#›</a:t>
             </a:fld>
@@ -2014,7 +2014,7 @@
     </p:spTree>
     <p:extLst>
       <p:ext uri="{BB962C8B-B14F-4D97-AF65-F5344CB8AC3E}">
-        <p14:creationId xmlns:p14="http://schemas.microsoft.com/office/powerpoint/2010/main" val="1608275715"/>
+        <p14:creationId xmlns:p14="http://schemas.microsoft.com/office/powerpoint/2010/main" val="3947827701"/>
       </p:ext>
     </p:extLst>
   </p:cSld>
@@ -2046,7 +2046,7 @@
           <p:cNvPr id="2" name="日期占位符 1">
             <a:extLst>
               <a:ext uri="{FF2B5EF4-FFF2-40B4-BE49-F238E27FC236}">
-                <a16:creationId xmlns:a16="http://schemas.microsoft.com/office/drawing/2014/main" id="{86C5DAA1-F4FC-D7F1-EEB6-E6526C6A24D8}"/>
+                <a16:creationId xmlns:a16="http://schemas.microsoft.com/office/drawing/2014/main" id="{8083FA52-ACE5-26E2-D53D-583266AFD0BC}"/>
               </a:ext>
             </a:extLst>
           </p:cNvPr>
@@ -2062,7 +2062,7 @@
           <a:bodyPr/>
           <a:lstStyle/>
           <a:p>
-            <a:fld id="{CD60922E-16C4-4830-B4A5-B781E48B87BE}" type="datetimeFigureOut">
+            <a:fld id="{19874DB2-4C5D-4092-86A1-9FE8893085CF}" type="datetimeFigureOut">
               <a:rPr lang="zh-CN" altLang="en-US" smtClean="0"/>
               <a:t>2024/3/10</a:t>
             </a:fld>
@@ -2075,7 +2075,7 @@
           <p:cNvPr id="3" name="页脚占位符 2">
             <a:extLst>
               <a:ext uri="{FF2B5EF4-FFF2-40B4-BE49-F238E27FC236}">
-                <a16:creationId xmlns:a16="http://schemas.microsoft.com/office/drawing/2014/main" id="{FAF11A1C-D571-B915-99C0-25F01F59126A}"/>
+                <a16:creationId xmlns:a16="http://schemas.microsoft.com/office/drawing/2014/main" id="{4DC8693E-AAF9-479B-B93B-C9E6AE9EE7B3}"/>
               </a:ext>
             </a:extLst>
           </p:cNvPr>
@@ -2100,7 +2100,7 @@
           <p:cNvPr id="4" name="灯片编号占位符 3">
             <a:extLst>
               <a:ext uri="{FF2B5EF4-FFF2-40B4-BE49-F238E27FC236}">
-                <a16:creationId xmlns:a16="http://schemas.microsoft.com/office/drawing/2014/main" id="{4E9D314F-85C2-ED7B-C0A8-0C61B82DB82B}"/>
+                <a16:creationId xmlns:a16="http://schemas.microsoft.com/office/drawing/2014/main" id="{E6A74CEB-285C-B826-7437-F8DA9A4CEFB8}"/>
               </a:ext>
             </a:extLst>
           </p:cNvPr>
@@ -2116,7 +2116,7 @@
           <a:bodyPr/>
           <a:lstStyle/>
           <a:p>
-            <a:fld id="{E7D6FA16-CEB0-4EEB-B182-9649BB6E85F3}" type="slidenum">
+            <a:fld id="{A01C017E-AA75-439B-B5AD-18E329427E4C}" type="slidenum">
               <a:rPr lang="zh-CN" altLang="en-US" smtClean="0"/>
               <a:t>‹#›</a:t>
             </a:fld>
@@ -2127,7 +2127,7 @@
     </p:spTree>
     <p:extLst>
       <p:ext uri="{BB962C8B-B14F-4D97-AF65-F5344CB8AC3E}">
-        <p14:creationId xmlns:p14="http://schemas.microsoft.com/office/powerpoint/2010/main" val="1732395108"/>
+        <p14:creationId xmlns:p14="http://schemas.microsoft.com/office/powerpoint/2010/main" val="751566053"/>
       </p:ext>
     </p:extLst>
   </p:cSld>
@@ -2159,7 +2159,7 @@
           <p:cNvPr id="2" name="标题 1">
             <a:extLst>
               <a:ext uri="{FF2B5EF4-FFF2-40B4-BE49-F238E27FC236}">
-                <a16:creationId xmlns:a16="http://schemas.microsoft.com/office/drawing/2014/main" id="{AA18B2ED-91A5-C7A5-3DF9-71503BDCB026}"/>
+                <a16:creationId xmlns:a16="http://schemas.microsoft.com/office/drawing/2014/main" id="{E7C0A59D-736F-9F2E-A8D0-945A7AC95EE9}"/>
               </a:ext>
             </a:extLst>
           </p:cNvPr>
@@ -2196,7 +2196,7 @@
           <p:cNvPr id="3" name="内容占位符 2">
             <a:extLst>
               <a:ext uri="{FF2B5EF4-FFF2-40B4-BE49-F238E27FC236}">
-                <a16:creationId xmlns:a16="http://schemas.microsoft.com/office/drawing/2014/main" id="{136881B7-15CE-352F-6BDE-F14ADE15F724}"/>
+                <a16:creationId xmlns:a16="http://schemas.microsoft.com/office/drawing/2014/main" id="{183478DA-F130-7D92-8531-70BB28D25A55}"/>
               </a:ext>
             </a:extLst>
           </p:cNvPr>
@@ -2286,7 +2286,7 @@
           <p:cNvPr id="4" name="文本占位符 3">
             <a:extLst>
               <a:ext uri="{FF2B5EF4-FFF2-40B4-BE49-F238E27FC236}">
-                <a16:creationId xmlns:a16="http://schemas.microsoft.com/office/drawing/2014/main" id="{1000E939-1904-1B2D-BD04-E6B841C4064B}"/>
+                <a16:creationId xmlns:a16="http://schemas.microsoft.com/office/drawing/2014/main" id="{06103BD9-9592-5762-438B-537421067084}"/>
               </a:ext>
             </a:extLst>
           </p:cNvPr>
@@ -2357,7 +2357,7 @@
           <p:cNvPr id="5" name="日期占位符 4">
             <a:extLst>
               <a:ext uri="{FF2B5EF4-FFF2-40B4-BE49-F238E27FC236}">
-                <a16:creationId xmlns:a16="http://schemas.microsoft.com/office/drawing/2014/main" id="{AD017452-6B9D-1051-834D-19FBFF368CF6}"/>
+                <a16:creationId xmlns:a16="http://schemas.microsoft.com/office/drawing/2014/main" id="{4E7B280C-B24E-0997-8FCF-82C857038DE9}"/>
               </a:ext>
             </a:extLst>
           </p:cNvPr>
@@ -2373,7 +2373,7 @@
           <a:bodyPr/>
           <a:lstStyle/>
           <a:p>
-            <a:fld id="{CD60922E-16C4-4830-B4A5-B781E48B87BE}" type="datetimeFigureOut">
+            <a:fld id="{19874DB2-4C5D-4092-86A1-9FE8893085CF}" type="datetimeFigureOut">
               <a:rPr lang="zh-CN" altLang="en-US" smtClean="0"/>
               <a:t>2024/3/10</a:t>
             </a:fld>
@@ -2386,7 +2386,7 @@
           <p:cNvPr id="6" name="页脚占位符 5">
             <a:extLst>
               <a:ext uri="{FF2B5EF4-FFF2-40B4-BE49-F238E27FC236}">
-                <a16:creationId xmlns:a16="http://schemas.microsoft.com/office/drawing/2014/main" id="{44D8B5ED-EBBB-5D3D-6275-06FBD8EA8E04}"/>
+                <a16:creationId xmlns:a16="http://schemas.microsoft.com/office/drawing/2014/main" id="{9D651A8E-01CB-2ECC-4057-B0D63000119B}"/>
               </a:ext>
             </a:extLst>
           </p:cNvPr>
@@ -2411,7 +2411,7 @@
           <p:cNvPr id="7" name="灯片编号占位符 6">
             <a:extLst>
               <a:ext uri="{FF2B5EF4-FFF2-40B4-BE49-F238E27FC236}">
-                <a16:creationId xmlns:a16="http://schemas.microsoft.com/office/drawing/2014/main" id="{669463E0-C74A-7827-7BE7-575974815A23}"/>
+                <a16:creationId xmlns:a16="http://schemas.microsoft.com/office/drawing/2014/main" id="{2CF88D85-B702-C693-B72D-70EA566BA7B2}"/>
               </a:ext>
             </a:extLst>
           </p:cNvPr>
@@ -2427,7 +2427,7 @@
           <a:bodyPr/>
           <a:lstStyle/>
           <a:p>
-            <a:fld id="{E7D6FA16-CEB0-4EEB-B182-9649BB6E85F3}" type="slidenum">
+            <a:fld id="{A01C017E-AA75-439B-B5AD-18E329427E4C}" type="slidenum">
               <a:rPr lang="zh-CN" altLang="en-US" smtClean="0"/>
               <a:t>‹#›</a:t>
             </a:fld>
@@ -2438,7 +2438,7 @@
     </p:spTree>
     <p:extLst>
       <p:ext uri="{BB962C8B-B14F-4D97-AF65-F5344CB8AC3E}">
-        <p14:creationId xmlns:p14="http://schemas.microsoft.com/office/powerpoint/2010/main" val="933749834"/>
+        <p14:creationId xmlns:p14="http://schemas.microsoft.com/office/powerpoint/2010/main" val="434676468"/>
       </p:ext>
     </p:extLst>
   </p:cSld>
@@ -2470,7 +2470,7 @@
           <p:cNvPr id="2" name="标题 1">
             <a:extLst>
               <a:ext uri="{FF2B5EF4-FFF2-40B4-BE49-F238E27FC236}">
-                <a16:creationId xmlns:a16="http://schemas.microsoft.com/office/drawing/2014/main" id="{F755B507-5A27-E0EA-D90E-484914CFC2FE}"/>
+                <a16:creationId xmlns:a16="http://schemas.microsoft.com/office/drawing/2014/main" id="{734A94D3-778F-CA9D-2611-5CC8551EAA9B}"/>
               </a:ext>
             </a:extLst>
           </p:cNvPr>
@@ -2507,7 +2507,7 @@
           <p:cNvPr id="3" name="图片占位符 2">
             <a:extLst>
               <a:ext uri="{FF2B5EF4-FFF2-40B4-BE49-F238E27FC236}">
-                <a16:creationId xmlns:a16="http://schemas.microsoft.com/office/drawing/2014/main" id="{178852AA-29A9-0649-3EED-6D3BA5293F58}"/>
+                <a16:creationId xmlns:a16="http://schemas.microsoft.com/office/drawing/2014/main" id="{2794DEA0-9345-EA70-DFB6-3B8A268449B7}"/>
               </a:ext>
             </a:extLst>
           </p:cNvPr>
@@ -2574,7 +2574,7 @@
           <p:cNvPr id="4" name="文本占位符 3">
             <a:extLst>
               <a:ext uri="{FF2B5EF4-FFF2-40B4-BE49-F238E27FC236}">
-                <a16:creationId xmlns:a16="http://schemas.microsoft.com/office/drawing/2014/main" id="{785AFD5C-2B2B-6855-522E-B9E17B3F524E}"/>
+                <a16:creationId xmlns:a16="http://schemas.microsoft.com/office/drawing/2014/main" id="{9F454807-E003-EE05-08A3-1BA58ADAC0E9}"/>
               </a:ext>
             </a:extLst>
           </p:cNvPr>
@@ -2645,7 +2645,7 @@
           <p:cNvPr id="5" name="日期占位符 4">
             <a:extLst>
               <a:ext uri="{FF2B5EF4-FFF2-40B4-BE49-F238E27FC236}">
-                <a16:creationId xmlns:a16="http://schemas.microsoft.com/office/drawing/2014/main" id="{69830181-975D-AAFD-EA24-73FB409190DC}"/>
+                <a16:creationId xmlns:a16="http://schemas.microsoft.com/office/drawing/2014/main" id="{8DF4742C-2724-A035-ACCF-A05355AC11C8}"/>
               </a:ext>
             </a:extLst>
           </p:cNvPr>
@@ -2661,7 +2661,7 @@
           <a:bodyPr/>
           <a:lstStyle/>
           <a:p>
-            <a:fld id="{CD60922E-16C4-4830-B4A5-B781E48B87BE}" type="datetimeFigureOut">
+            <a:fld id="{19874DB2-4C5D-4092-86A1-9FE8893085CF}" type="datetimeFigureOut">
               <a:rPr lang="zh-CN" altLang="en-US" smtClean="0"/>
               <a:t>2024/3/10</a:t>
             </a:fld>
@@ -2674,7 +2674,7 @@
           <p:cNvPr id="6" name="页脚占位符 5">
             <a:extLst>
               <a:ext uri="{FF2B5EF4-FFF2-40B4-BE49-F238E27FC236}">
-                <a16:creationId xmlns:a16="http://schemas.microsoft.com/office/drawing/2014/main" id="{4A4D7B5C-9527-8332-420E-C10FB8790154}"/>
+                <a16:creationId xmlns:a16="http://schemas.microsoft.com/office/drawing/2014/main" id="{915240B3-27FA-E3AC-6197-157CDC106D55}"/>
               </a:ext>
             </a:extLst>
           </p:cNvPr>
@@ -2699,7 +2699,7 @@
           <p:cNvPr id="7" name="灯片编号占位符 6">
             <a:extLst>
               <a:ext uri="{FF2B5EF4-FFF2-40B4-BE49-F238E27FC236}">
-                <a16:creationId xmlns:a16="http://schemas.microsoft.com/office/drawing/2014/main" id="{59DD030F-BE15-3277-1E71-7BDD3B67A399}"/>
+                <a16:creationId xmlns:a16="http://schemas.microsoft.com/office/drawing/2014/main" id="{1995D1FF-DD28-30D3-96EC-C94CFF94FDD2}"/>
               </a:ext>
             </a:extLst>
           </p:cNvPr>
@@ -2715,7 +2715,7 @@
           <a:bodyPr/>
           <a:lstStyle/>
           <a:p>
-            <a:fld id="{E7D6FA16-CEB0-4EEB-B182-9649BB6E85F3}" type="slidenum">
+            <a:fld id="{A01C017E-AA75-439B-B5AD-18E329427E4C}" type="slidenum">
               <a:rPr lang="zh-CN" altLang="en-US" smtClean="0"/>
               <a:t>‹#›</a:t>
             </a:fld>
@@ -2726,7 +2726,7 @@
     </p:spTree>
     <p:extLst>
       <p:ext uri="{BB962C8B-B14F-4D97-AF65-F5344CB8AC3E}">
-        <p14:creationId xmlns:p14="http://schemas.microsoft.com/office/powerpoint/2010/main" val="859718422"/>
+        <p14:creationId xmlns:p14="http://schemas.microsoft.com/office/powerpoint/2010/main" val="384319079"/>
       </p:ext>
     </p:extLst>
   </p:cSld>
@@ -2763,7 +2763,7 @@
           <p:cNvPr id="2" name="标题占位符 1">
             <a:extLst>
               <a:ext uri="{FF2B5EF4-FFF2-40B4-BE49-F238E27FC236}">
-                <a16:creationId xmlns:a16="http://schemas.microsoft.com/office/drawing/2014/main" id="{14AE8C76-1C1E-A9F5-7681-C30AC5C05281}"/>
+                <a16:creationId xmlns:a16="http://schemas.microsoft.com/office/drawing/2014/main" id="{BCFC2AE2-EA92-8321-5F8D-0021DEA0FDFE}"/>
               </a:ext>
             </a:extLst>
           </p:cNvPr>
@@ -2801,7 +2801,7 @@
           <p:cNvPr id="3" name="文本占位符 2">
             <a:extLst>
               <a:ext uri="{FF2B5EF4-FFF2-40B4-BE49-F238E27FC236}">
-                <a16:creationId xmlns:a16="http://schemas.microsoft.com/office/drawing/2014/main" id="{D19CBF88-45FE-6F1A-27F2-F3CB28D5740F}"/>
+                <a16:creationId xmlns:a16="http://schemas.microsoft.com/office/drawing/2014/main" id="{725970F4-9F17-1D81-1674-08FBAEB37A5D}"/>
               </a:ext>
             </a:extLst>
           </p:cNvPr>
@@ -2868,7 +2868,7 @@
           <p:cNvPr id="4" name="日期占位符 3">
             <a:extLst>
               <a:ext uri="{FF2B5EF4-FFF2-40B4-BE49-F238E27FC236}">
-                <a16:creationId xmlns:a16="http://schemas.microsoft.com/office/drawing/2014/main" id="{36E802BD-35F0-4F9A-B336-B319194370BE}"/>
+                <a16:creationId xmlns:a16="http://schemas.microsoft.com/office/drawing/2014/main" id="{BE146ECE-ACD1-9E99-1C1B-69DADFFBA9BC}"/>
               </a:ext>
             </a:extLst>
           </p:cNvPr>
@@ -2902,7 +2902,7 @@
             </a:lvl1pPr>
           </a:lstStyle>
           <a:p>
-            <a:fld id="{CD60922E-16C4-4830-B4A5-B781E48B87BE}" type="datetimeFigureOut">
+            <a:fld id="{19874DB2-4C5D-4092-86A1-9FE8893085CF}" type="datetimeFigureOut">
               <a:rPr lang="zh-CN" altLang="en-US" smtClean="0"/>
               <a:t>2024/3/10</a:t>
             </a:fld>
@@ -2915,7 +2915,7 @@
           <p:cNvPr id="5" name="页脚占位符 4">
             <a:extLst>
               <a:ext uri="{FF2B5EF4-FFF2-40B4-BE49-F238E27FC236}">
-                <a16:creationId xmlns:a16="http://schemas.microsoft.com/office/drawing/2014/main" id="{AC612398-1DBF-53E3-25BF-6FBFD47D5F8A}"/>
+                <a16:creationId xmlns:a16="http://schemas.microsoft.com/office/drawing/2014/main" id="{018FD735-1820-F2CA-EB87-45524954FC79}"/>
               </a:ext>
             </a:extLst>
           </p:cNvPr>
@@ -2958,7 +2958,7 @@
           <p:cNvPr id="6" name="灯片编号占位符 5">
             <a:extLst>
               <a:ext uri="{FF2B5EF4-FFF2-40B4-BE49-F238E27FC236}">
-                <a16:creationId xmlns:a16="http://schemas.microsoft.com/office/drawing/2014/main" id="{72561D08-8EBE-02FC-C705-D452C1E62A3B}"/>
+                <a16:creationId xmlns:a16="http://schemas.microsoft.com/office/drawing/2014/main" id="{7E10B29A-44DB-8D70-4257-E835E82DA4FD}"/>
               </a:ext>
             </a:extLst>
           </p:cNvPr>
@@ -2992,7 +2992,7 @@
             </a:lvl1pPr>
           </a:lstStyle>
           <a:p>
-            <a:fld id="{E7D6FA16-CEB0-4EEB-B182-9649BB6E85F3}" type="slidenum">
+            <a:fld id="{A01C017E-AA75-439B-B5AD-18E329427E4C}" type="slidenum">
               <a:rPr lang="zh-CN" altLang="en-US" smtClean="0"/>
               <a:t>‹#›</a:t>
             </a:fld>
@@ -3003,7 +3003,7 @@
     </p:spTree>
     <p:extLst>
       <p:ext uri="{BB962C8B-B14F-4D97-AF65-F5344CB8AC3E}">
-        <p14:creationId xmlns:p14="http://schemas.microsoft.com/office/powerpoint/2010/main" val="3276617257"/>
+        <p14:creationId xmlns:p14="http://schemas.microsoft.com/office/powerpoint/2010/main" val="3933671721"/>
       </p:ext>
     </p:extLst>
   </p:cSld>
@@ -3323,7 +3323,7 @@
       </p:grpSpPr>
       <p:pic>
         <p:nvPicPr>
-          <p:cNvPr id="1116162" name="Picture 2" descr="1089"/>
+          <p:cNvPr id="1117186" name="Picture 2" descr="1090"/>
           <p:cNvPicPr>
             <a:picLocks noChangeAspect="1" noChangeArrowheads="1"/>
           </p:cNvPicPr>
@@ -3344,8 +3344,8 @@
         </p:blipFill>
         <p:spPr bwMode="auto">
           <a:xfrm>
-            <a:off x="1524000" y="0"/>
-            <a:ext cx="9144000" cy="6858000"/>
+            <a:off x="1543050" y="14288"/>
+            <a:ext cx="9124950" cy="6843712"/>
           </a:xfrm>
           <a:prstGeom prst="rect">
             <a:avLst/>
@@ -3377,7 +3377,7 @@
       </p:pic>
       <p:pic>
         <p:nvPicPr>
-          <p:cNvPr id="1117187" name="Picture 3" descr="1089-2"/>
+          <p:cNvPr id="1118211" name="Picture 3" descr="1090-2"/>
           <p:cNvPicPr>
             <a:picLocks noChangeAspect="1" noChangeArrowheads="1"/>
           </p:cNvPicPr>
@@ -3398,72 +3398,8 @@
         </p:blipFill>
         <p:spPr bwMode="auto">
           <a:xfrm>
-            <a:off x="1524000" y="14288"/>
-            <a:ext cx="9124950" cy="6843712"/>
-          </a:xfrm>
-          <a:prstGeom prst="rect">
-            <a:avLst/>
-          </a:prstGeom>
-          <a:noFill/>
-          <a:ln>
-            <a:noFill/>
-          </a:ln>
-          <a:effectLst/>
-          <a:extLst>
-            <a:ext uri="{909E8E84-426E-40DD-AFC4-6F175D3DCCD1}">
-              <a14:hiddenFill xmlns:a14="http://schemas.microsoft.com/office/drawing/2010/main">
-                <a:solidFill>
-                  <a:srgbClr val="FFFFFF"/>
-                </a:solidFill>
-              </a14:hiddenFill>
-            </a:ext>
-            <a:ext uri="{91240B29-F687-4F45-9708-019B960494DF}">
-              <a14:hiddenLine xmlns:a14="http://schemas.microsoft.com/office/drawing/2010/main" w="9525">
-                <a:solidFill>
-                  <a:srgbClr val="000000"/>
-                </a:solidFill>
-                <a:miter lim="800000"/>
-                <a:headEnd/>
-                <a:tailEnd/>
-              </a14:hiddenLine>
-            </a:ext>
-            <a:ext uri="{AF507438-7753-43E0-B8FC-AC1667EBCBE1}">
-              <a14:hiddenEffects xmlns:a14="http://schemas.microsoft.com/office/drawing/2010/main">
-                <a:effectLst>
-                  <a:outerShdw dist="35921" dir="2700000" algn="ctr" rotWithShape="0">
-                    <a:srgbClr val="808080"/>
-                  </a:outerShdw>
-                </a:effectLst>
-              </a14:hiddenEffects>
-            </a:ext>
-          </a:extLst>
-        </p:spPr>
-      </p:pic>
-      <p:pic>
-        <p:nvPicPr>
-          <p:cNvPr id="1117188" name="Picture 4" descr="1089-3"/>
-          <p:cNvPicPr>
-            <a:picLocks noChangeAspect="1" noChangeArrowheads="1"/>
-          </p:cNvPicPr>
-          <p:nvPr/>
-        </p:nvPicPr>
-        <p:blipFill>
-          <a:blip r:embed="rId4">
-            <a:extLst>
-              <a:ext uri="{28A0092B-C50C-407E-A947-70E740481C1C}">
-                <a14:useLocalDpi xmlns:a14="http://schemas.microsoft.com/office/drawing/2010/main" val="0"/>
-              </a:ext>
-            </a:extLst>
-          </a:blip>
-          <a:srcRect/>
-          <a:stretch>
-            <a:fillRect/>
-          </a:stretch>
-        </p:blipFill>
-        <p:spPr bwMode="auto">
-          <a:xfrm>
-            <a:off x="1525588" y="15876"/>
-            <a:ext cx="9142412" cy="6842125"/>
+            <a:off x="1525588" y="1589"/>
+            <a:ext cx="9180512" cy="6859587"/>
           </a:xfrm>
           <a:prstGeom prst="rect">
             <a:avLst/>
@@ -3542,7 +3478,7 @@
                                           </p:stCondLst>
                                         </p:cTn>
                                         <p:tgtEl>
-                                          <p:spTgt spid="1117187"/>
+                                          <p:spTgt spid="1118211"/>
                                         </p:tgtEl>
                                         <p:attrNameLst>
                                           <p:attrName>style.visibility</p:attrName>
@@ -3556,60 +3492,7 @@
                                       <p:cBhvr>
                                         <p:cTn id="7" dur="500"/>
                                         <p:tgtEl>
-                                          <p:spTgt spid="1117187"/>
-                                        </p:tgtEl>
-                                      </p:cBhvr>
-                                    </p:animEffect>
-                                  </p:childTnLst>
-                                </p:cTn>
-                              </p:par>
-                            </p:childTnLst>
-                          </p:cTn>
-                        </p:par>
-                      </p:childTnLst>
-                    </p:cTn>
-                  </p:par>
-                  <p:par>
-                    <p:cTn id="8" fill="hold" nodeType="clickPar">
-                      <p:stCondLst>
-                        <p:cond delay="indefinite"/>
-                      </p:stCondLst>
-                      <p:childTnLst>
-                        <p:par>
-                          <p:cTn id="9" fill="hold" nodeType="withGroup">
-                            <p:stCondLst>
-                              <p:cond delay="0"/>
-                            </p:stCondLst>
-                            <p:childTnLst>
-                              <p:par>
-                                <p:cTn id="10" presetID="10" presetClass="entr" presetSubtype="0" fill="hold" nodeType="clickEffect">
-                                  <p:stCondLst>
-                                    <p:cond delay="0"/>
-                                  </p:stCondLst>
-                                  <p:childTnLst>
-                                    <p:set>
-                                      <p:cBhvr>
-                                        <p:cTn id="11" dur="1" fill="hold">
-                                          <p:stCondLst>
-                                            <p:cond delay="0"/>
-                                          </p:stCondLst>
-                                        </p:cTn>
-                                        <p:tgtEl>
-                                          <p:spTgt spid="1117188"/>
-                                        </p:tgtEl>
-                                        <p:attrNameLst>
-                                          <p:attrName>style.visibility</p:attrName>
-                                        </p:attrNameLst>
-                                      </p:cBhvr>
-                                      <p:to>
-                                        <p:strVal val="visible"/>
-                                      </p:to>
-                                    </p:set>
-                                    <p:animEffect transition="in" filter="fade">
-                                      <p:cBhvr>
-                                        <p:cTn id="12" dur="500"/>
-                                        <p:tgtEl>
-                                          <p:spTgt spid="1117188"/>
+                                          <p:spTgt spid="1118211"/>
                                         </p:tgtEl>
                                       </p:cBhvr>
                                     </p:animEffect>
